--- a/notebooks/html/1_Introduction.pptx
+++ b/notebooks/html/1_Introduction.pptx
@@ -219,7 +219,7 @@
           <a:p>
             <a:fld id="{6D0BFDE5-5B9C-1348-B3A7-621F47AF5A3A}" type="datetimeFigureOut">
               <a:rPr lang="en-US" smtClean="0"/>
-              <a:t>5/2/22</a:t>
+              <a:t>5/5/22</a:t>
             </a:fld>
             <a:endParaRPr lang="en-US"/>
           </a:p>
@@ -397,7 +397,7 @@
           <a:p>
             <a:fld id="{F438453F-F1B3-B848-B302-15F3A290B787}" type="datetimeFigureOut">
               <a:rPr lang="en-US" smtClean="0"/>
-              <a:t>5/2/22</a:t>
+              <a:t>5/5/22</a:t>
             </a:fld>
             <a:endParaRPr lang="en-US"/>
           </a:p>
@@ -984,11 +984,10 @@
           <a:bodyPr/>
           <a:lstStyle/>
           <a:p>
-            <a:fld id="{414FE1D6-1A39-D84A-B5AA-B6A778789908}" type="datetime3">
-              <a:rPr lang="en-US" smtClean="0"/>
-              <a:t>2 May 2022</a:t>
-            </a:fld>
-            <a:endParaRPr lang="en-US"/>
+            <a:r>
+              <a:rPr lang="en-US"/>
+              <a:t>11 May 2022</a:t>
+            </a:r>
           </a:p>
         </p:txBody>
       </p:sp>
@@ -1195,11 +1194,10 @@
           <a:bodyPr/>
           <a:lstStyle/>
           <a:p>
-            <a:fld id="{E0C218C5-3101-FD49-997D-52DC15F8AD61}" type="datetime3">
-              <a:rPr lang="en-US" smtClean="0"/>
-              <a:t>2 May 2022</a:t>
-            </a:fld>
-            <a:endParaRPr lang="en-US"/>
+            <a:r>
+              <a:rPr lang="en-US"/>
+              <a:t>11 May 2022</a:t>
+            </a:r>
           </a:p>
         </p:txBody>
       </p:sp>
@@ -1396,11 +1394,10 @@
           <a:bodyPr/>
           <a:lstStyle/>
           <a:p>
-            <a:fld id="{DB492B3D-F0D2-0E4F-89FA-8814ADAEEA11}" type="datetime3">
-              <a:rPr lang="en-US" smtClean="0"/>
-              <a:t>2 May 2022</a:t>
-            </a:fld>
-            <a:endParaRPr lang="en-US"/>
+            <a:r>
+              <a:rPr lang="en-US"/>
+              <a:t>11 May 2022</a:t>
+            </a:r>
           </a:p>
         </p:txBody>
       </p:sp>
@@ -1870,11 +1867,10 @@
           <a:bodyPr/>
           <a:lstStyle/>
           <a:p>
-            <a:fld id="{B1C7AAC1-0DAF-8B45-9213-C862628C9DBA}" type="datetime3">
-              <a:rPr lang="en-US" smtClean="0"/>
-              <a:t>2 May 2022</a:t>
-            </a:fld>
-            <a:endParaRPr lang="en-US"/>
+            <a:r>
+              <a:rPr lang="en-US"/>
+              <a:t>11 May 2022</a:t>
+            </a:r>
           </a:p>
         </p:txBody>
       </p:sp>
@@ -2285,11 +2281,10 @@
           <a:bodyPr/>
           <a:lstStyle/>
           <a:p>
-            <a:fld id="{CA91E045-07A4-2940-AECD-98C3AE5A77D1}" type="datetime3">
-              <a:rPr lang="en-US" smtClean="0"/>
-              <a:t>2 May 2022</a:t>
-            </a:fld>
-            <a:endParaRPr lang="en-US"/>
+            <a:r>
+              <a:rPr lang="en-US"/>
+              <a:t>11 May 2022</a:t>
+            </a:r>
           </a:p>
         </p:txBody>
       </p:sp>
@@ -2429,11 +2424,10 @@
           <a:bodyPr/>
           <a:lstStyle/>
           <a:p>
-            <a:fld id="{7F42CB57-A3ED-AB45-8906-BC235E667C59}" type="datetime3">
-              <a:rPr lang="en-US" smtClean="0"/>
-              <a:t>2 May 2022</a:t>
-            </a:fld>
-            <a:endParaRPr lang="en-US"/>
+            <a:r>
+              <a:rPr lang="en-US"/>
+              <a:t>11 May 2022</a:t>
+            </a:r>
           </a:p>
         </p:txBody>
       </p:sp>
@@ -2545,11 +2539,10 @@
           <a:bodyPr/>
           <a:lstStyle/>
           <a:p>
-            <a:fld id="{2E6972C4-A444-6D44-A047-39EE4DB9DF81}" type="datetime3">
-              <a:rPr lang="en-US" smtClean="0"/>
-              <a:t>2 May 2022</a:t>
-            </a:fld>
-            <a:endParaRPr lang="en-US"/>
+            <a:r>
+              <a:rPr lang="en-US"/>
+              <a:t>11 May 2022</a:t>
+            </a:r>
           </a:p>
         </p:txBody>
       </p:sp>
@@ -2859,11 +2852,10 @@
           <a:bodyPr/>
           <a:lstStyle/>
           <a:p>
-            <a:fld id="{3081B075-0849-6C49-B18E-0FAEE8A3E14A}" type="datetime3">
-              <a:rPr lang="en-US" smtClean="0"/>
-              <a:t>2 May 2022</a:t>
-            </a:fld>
-            <a:endParaRPr lang="en-US"/>
+            <a:r>
+              <a:rPr lang="en-US"/>
+              <a:t>11 May 2022</a:t>
+            </a:r>
           </a:p>
         </p:txBody>
       </p:sp>
@@ -3153,11 +3145,10 @@
           <a:bodyPr/>
           <a:lstStyle/>
           <a:p>
-            <a:fld id="{E13684E9-DD79-3142-B323-D44BF99C1541}" type="datetime3">
-              <a:rPr lang="en-US" smtClean="0"/>
-              <a:t>2 May 2022</a:t>
-            </a:fld>
-            <a:endParaRPr lang="en-US"/>
+            <a:r>
+              <a:rPr lang="en-US"/>
+              <a:t>11 May 2022</a:t>
+            </a:r>
           </a:p>
         </p:txBody>
       </p:sp>
@@ -3397,11 +3388,10 @@
             </a:lvl1pPr>
           </a:lstStyle>
           <a:p>
-            <a:fld id="{5A0764DF-F764-2B49-A4F0-AAA90498C27D}" type="datetime3">
-              <a:rPr lang="en-US" smtClean="0"/>
-              <a:t>2 May 2022</a:t>
-            </a:fld>
-            <a:endParaRPr lang="en-US"/>
+            <a:r>
+              <a:rPr lang="en-US"/>
+              <a:t>11 May 2022</a:t>
+            </a:r>
           </a:p>
         </p:txBody>
       </p:sp>
@@ -4132,11 +4122,10 @@
           <a:bodyPr/>
           <a:lstStyle/>
           <a:p>
-            <a:fld id="{D97EE4AC-2CD5-D34A-B08F-E4C25C51E580}" type="datetime3">
-              <a:rPr lang="en-US" smtClean="0"/>
-              <a:t>2 May 2022</a:t>
-            </a:fld>
-            <a:endParaRPr lang="en-US"/>
+            <a:r>
+              <a:rPr lang="en-US"/>
+              <a:t>11 May 2022</a:t>
+            </a:r>
           </a:p>
         </p:txBody>
       </p:sp>
@@ -4191,7 +4180,7 @@
           <a:lstStyle/>
           <a:p>
             <a:r>
-              <a:rPr lang="en-US"/>
+              <a:rPr lang="en-US" dirty="0"/>
               <a:t>https://github.com/samplics-org/aapor_short_course_may2022</a:t>
             </a:r>
           </a:p>
@@ -4497,11 +4486,10 @@
           <a:bodyPr/>
           <a:lstStyle/>
           <a:p>
-            <a:fld id="{51DB4571-61EE-DC49-8383-599747781900}" type="datetime3">
-              <a:rPr lang="en-US" smtClean="0"/>
-              <a:t>3 May 2022</a:t>
-            </a:fld>
-            <a:endParaRPr lang="en-US"/>
+            <a:r>
+              <a:rPr lang="en-US"/>
+              <a:t>11 May 2022</a:t>
+            </a:r>
           </a:p>
         </p:txBody>
       </p:sp>
@@ -4913,11 +4901,10 @@
           <a:bodyPr/>
           <a:lstStyle/>
           <a:p>
-            <a:fld id="{51DB4571-61EE-DC49-8383-599747781900}" type="datetime3">
-              <a:rPr lang="en-US" smtClean="0"/>
-              <a:t>3 May 2022</a:t>
-            </a:fld>
-            <a:endParaRPr lang="en-US"/>
+            <a:r>
+              <a:rPr lang="en-US"/>
+              <a:t>11 May 2022</a:t>
+            </a:r>
           </a:p>
         </p:txBody>
       </p:sp>
@@ -5097,11 +5084,10 @@
           <a:bodyPr/>
           <a:lstStyle/>
           <a:p>
-            <a:fld id="{51DB4571-61EE-DC49-8383-599747781900}" type="datetime3">
-              <a:rPr lang="en-US" smtClean="0"/>
-              <a:t>3 May 2022</a:t>
-            </a:fld>
-            <a:endParaRPr lang="en-US"/>
+            <a:r>
+              <a:rPr lang="en-US"/>
+              <a:t>11 May 2022</a:t>
+            </a:r>
           </a:p>
         </p:txBody>
       </p:sp>
@@ -5303,11 +5289,10 @@
           <a:bodyPr/>
           <a:lstStyle/>
           <a:p>
-            <a:fld id="{51DB4571-61EE-DC49-8383-599747781900}" type="datetime3">
-              <a:rPr lang="en-US" smtClean="0"/>
-              <a:t>3 May 2022</a:t>
-            </a:fld>
-            <a:endParaRPr lang="en-US"/>
+            <a:r>
+              <a:rPr lang="en-US"/>
+              <a:t>11 May 2022</a:t>
+            </a:r>
           </a:p>
         </p:txBody>
       </p:sp>
@@ -5742,11 +5727,10 @@
           <a:bodyPr/>
           <a:lstStyle/>
           <a:p>
-            <a:fld id="{51DB4571-61EE-DC49-8383-599747781900}" type="datetime3">
-              <a:rPr lang="en-US" smtClean="0"/>
-              <a:t>3 May 2022</a:t>
-            </a:fld>
-            <a:endParaRPr lang="en-US"/>
+            <a:r>
+              <a:rPr lang="en-US"/>
+              <a:t>11 May 2022</a:t>
+            </a:r>
           </a:p>
         </p:txBody>
       </p:sp>
